--- a/fortune500 presentation.pptx
+++ b/fortune500 presentation.pptx
@@ -9,13 +9,13 @@
     <p:sldId id="265" r:id="rId3"/>
     <p:sldId id="257" r:id="rId4"/>
     <p:sldId id="258" r:id="rId5"/>
-    <p:sldId id="259" r:id="rId6"/>
-    <p:sldId id="266" r:id="rId7"/>
-    <p:sldId id="260" r:id="rId8"/>
-    <p:sldId id="263" r:id="rId9"/>
-    <p:sldId id="264" r:id="rId10"/>
-    <p:sldId id="262" r:id="rId11"/>
-    <p:sldId id="261" r:id="rId12"/>
+    <p:sldId id="267" r:id="rId6"/>
+    <p:sldId id="259" r:id="rId7"/>
+    <p:sldId id="266" r:id="rId8"/>
+    <p:sldId id="260" r:id="rId9"/>
+    <p:sldId id="263" r:id="rId10"/>
+    <p:sldId id="264" r:id="rId11"/>
+    <p:sldId id="262" r:id="rId12"/>
   </p:sldIdLst>
   <p:sldSz cx="12192000" cy="6858000"/>
   <p:notesSz cx="6858000" cy="9144000"/>
@@ -114,6 +114,11 @@
       </a:defRPr>
     </a:lvl9pPr>
   </p:defaultTextStyle>
+  <p:extLst>
+    <p:ext uri="{EFAFB233-063F-42B5-8137-9DF3F51BA10A}">
+      <p15:sldGuideLst xmlns:p15="http://schemas.microsoft.com/office/powerpoint/2012/main"/>
+    </p:ext>
+  </p:extLst>
 </p:presentation>
 </file>
 
@@ -127,6 +132,156 @@
     </p:extLst>
   </p:cmAuthor>
 </p:cmAuthorLst>
+</file>
+
+<file path=ppt/changesInfos/changesInfo1.xml><?xml version="1.0" encoding="utf-8"?>
+<pc:chgInfo xmlns:a="http://schemas.openxmlformats.org/drawingml/2006/main" xmlns:r="http://schemas.openxmlformats.org/officeDocument/2006/relationships" xmlns:ac="http://schemas.microsoft.com/office/drawing/2013/main/command" xmlns:pc="http://schemas.microsoft.com/office/powerpoint/2013/main/command">
+  <pc:docChgLst>
+    <pc:chgData name="John Sipala" userId="fd0c168ab6c53e8e" providerId="LiveId" clId="{96846C60-EB6A-4690-80F1-27BE96133655}"/>
+    <pc:docChg chg="custSel addSld delSld modSld">
+      <pc:chgData name="John Sipala" userId="fd0c168ab6c53e8e" providerId="LiveId" clId="{96846C60-EB6A-4690-80F1-27BE96133655}" dt="2019-07-23T03:38:25.882" v="84" actId="1076"/>
+      <pc:docMkLst>
+        <pc:docMk/>
+      </pc:docMkLst>
+      <pc:sldChg chg="delSp modSp">
+        <pc:chgData name="John Sipala" userId="fd0c168ab6c53e8e" providerId="LiveId" clId="{96846C60-EB6A-4690-80F1-27BE96133655}" dt="2019-07-22T21:43:53.340" v="8" actId="478"/>
+        <pc:sldMkLst>
+          <pc:docMk/>
+          <pc:sldMk cId="3650183740" sldId="259"/>
+        </pc:sldMkLst>
+        <pc:spChg chg="del">
+          <ac:chgData name="John Sipala" userId="fd0c168ab6c53e8e" providerId="LiveId" clId="{96846C60-EB6A-4690-80F1-27BE96133655}" dt="2019-07-22T21:43:53.340" v="8" actId="478"/>
+          <ac:spMkLst>
+            <pc:docMk/>
+            <pc:sldMk cId="3650183740" sldId="259"/>
+            <ac:spMk id="6" creationId="{BF85D9B5-A75C-44E3-8207-ABEC8DEF67AC}"/>
+          </ac:spMkLst>
+        </pc:spChg>
+        <pc:picChg chg="mod">
+          <ac:chgData name="John Sipala" userId="fd0c168ab6c53e8e" providerId="LiveId" clId="{96846C60-EB6A-4690-80F1-27BE96133655}" dt="2019-07-22T21:37:54.304" v="2" actId="1076"/>
+          <ac:picMkLst>
+            <pc:docMk/>
+            <pc:sldMk cId="3650183740" sldId="259"/>
+            <ac:picMk id="5" creationId="{EEDF4968-9E84-4C06-BCFC-51D68C721C73}"/>
+          </ac:picMkLst>
+        </pc:picChg>
+      </pc:sldChg>
+      <pc:sldChg chg="modSp">
+        <pc:chgData name="John Sipala" userId="fd0c168ab6c53e8e" providerId="LiveId" clId="{96846C60-EB6A-4690-80F1-27BE96133655}" dt="2019-07-23T03:37:53.191" v="80" actId="20577"/>
+        <pc:sldMkLst>
+          <pc:docMk/>
+          <pc:sldMk cId="2811272936" sldId="260"/>
+        </pc:sldMkLst>
+        <pc:spChg chg="mod">
+          <ac:chgData name="John Sipala" userId="fd0c168ab6c53e8e" providerId="LiveId" clId="{96846C60-EB6A-4690-80F1-27BE96133655}" dt="2019-07-23T03:37:53.191" v="80" actId="20577"/>
+          <ac:spMkLst>
+            <pc:docMk/>
+            <pc:sldMk cId="2811272936" sldId="260"/>
+            <ac:spMk id="3" creationId="{85440328-4331-4A94-ACB3-F2E075B02951}"/>
+          </ac:spMkLst>
+        </pc:spChg>
+      </pc:sldChg>
+      <pc:sldChg chg="del">
+        <pc:chgData name="John Sipala" userId="fd0c168ab6c53e8e" providerId="LiveId" clId="{96846C60-EB6A-4690-80F1-27BE96133655}" dt="2019-07-22T21:38:19.787" v="3" actId="2696"/>
+        <pc:sldMkLst>
+          <pc:docMk/>
+          <pc:sldMk cId="2591327385" sldId="261"/>
+        </pc:sldMkLst>
+      </pc:sldChg>
+      <pc:sldChg chg="modSp">
+        <pc:chgData name="John Sipala" userId="fd0c168ab6c53e8e" providerId="LiveId" clId="{96846C60-EB6A-4690-80F1-27BE96133655}" dt="2019-07-22T21:45:39.991" v="33" actId="20577"/>
+        <pc:sldMkLst>
+          <pc:docMk/>
+          <pc:sldMk cId="1894695730" sldId="262"/>
+        </pc:sldMkLst>
+        <pc:spChg chg="mod">
+          <ac:chgData name="John Sipala" userId="fd0c168ab6c53e8e" providerId="LiveId" clId="{96846C60-EB6A-4690-80F1-27BE96133655}" dt="2019-07-22T21:45:39.991" v="33" actId="20577"/>
+          <ac:spMkLst>
+            <pc:docMk/>
+            <pc:sldMk cId="1894695730" sldId="262"/>
+            <ac:spMk id="2" creationId="{591BF87E-5304-468A-BAAC-73DC2373EA9F}"/>
+          </ac:spMkLst>
+        </pc:spChg>
+      </pc:sldChg>
+      <pc:sldChg chg="modSp">
+        <pc:chgData name="John Sipala" userId="fd0c168ab6c53e8e" providerId="LiveId" clId="{96846C60-EB6A-4690-80F1-27BE96133655}" dt="2019-07-23T03:38:16.709" v="82" actId="1076"/>
+        <pc:sldMkLst>
+          <pc:docMk/>
+          <pc:sldMk cId="3780688643" sldId="263"/>
+        </pc:sldMkLst>
+        <pc:picChg chg="mod">
+          <ac:chgData name="John Sipala" userId="fd0c168ab6c53e8e" providerId="LiveId" clId="{96846C60-EB6A-4690-80F1-27BE96133655}" dt="2019-07-23T03:38:16.709" v="82" actId="1076"/>
+          <ac:picMkLst>
+            <pc:docMk/>
+            <pc:sldMk cId="3780688643" sldId="263"/>
+            <ac:picMk id="5" creationId="{432F3E9C-2FDB-496E-B90B-28153016E965}"/>
+          </ac:picMkLst>
+        </pc:picChg>
+      </pc:sldChg>
+      <pc:sldChg chg="modSp">
+        <pc:chgData name="John Sipala" userId="fd0c168ab6c53e8e" providerId="LiveId" clId="{96846C60-EB6A-4690-80F1-27BE96133655}" dt="2019-07-23T03:38:25.882" v="84" actId="1076"/>
+        <pc:sldMkLst>
+          <pc:docMk/>
+          <pc:sldMk cId="3875421684" sldId="264"/>
+        </pc:sldMkLst>
+        <pc:picChg chg="mod">
+          <ac:chgData name="John Sipala" userId="fd0c168ab6c53e8e" providerId="LiveId" clId="{96846C60-EB6A-4690-80F1-27BE96133655}" dt="2019-07-23T03:38:25.882" v="84" actId="1076"/>
+          <ac:picMkLst>
+            <pc:docMk/>
+            <pc:sldMk cId="3875421684" sldId="264"/>
+            <ac:picMk id="5" creationId="{ACB9028B-7B02-4264-B760-92BDAF224A6C}"/>
+          </ac:picMkLst>
+        </pc:picChg>
+      </pc:sldChg>
+      <pc:sldChg chg="modSp">
+        <pc:chgData name="John Sipala" userId="fd0c168ab6c53e8e" providerId="LiveId" clId="{96846C60-EB6A-4690-80F1-27BE96133655}" dt="2019-07-23T03:37:24.024" v="62" actId="1076"/>
+        <pc:sldMkLst>
+          <pc:docMk/>
+          <pc:sldMk cId="1565134427" sldId="266"/>
+        </pc:sldMkLst>
+        <pc:picChg chg="mod">
+          <ac:chgData name="John Sipala" userId="fd0c168ab6c53e8e" providerId="LiveId" clId="{96846C60-EB6A-4690-80F1-27BE96133655}" dt="2019-07-23T03:37:20.858" v="61" actId="14100"/>
+          <ac:picMkLst>
+            <pc:docMk/>
+            <pc:sldMk cId="1565134427" sldId="266"/>
+            <ac:picMk id="5" creationId="{31C6362B-8633-4DB8-8D90-BF6685DBB8B1}"/>
+          </ac:picMkLst>
+        </pc:picChg>
+        <pc:picChg chg="mod">
+          <ac:chgData name="John Sipala" userId="fd0c168ab6c53e8e" providerId="LiveId" clId="{96846C60-EB6A-4690-80F1-27BE96133655}" dt="2019-07-23T03:37:24.024" v="62" actId="1076"/>
+          <ac:picMkLst>
+            <pc:docMk/>
+            <pc:sldMk cId="1565134427" sldId="266"/>
+            <ac:picMk id="7" creationId="{DA15A2FD-9D8E-4884-9B16-C9934A88AB81}"/>
+          </ac:picMkLst>
+        </pc:picChg>
+      </pc:sldChg>
+      <pc:sldChg chg="addSp delSp modSp add">
+        <pc:chgData name="John Sipala" userId="fd0c168ab6c53e8e" providerId="LiveId" clId="{96846C60-EB6A-4690-80F1-27BE96133655}" dt="2019-07-22T22:26:24.101" v="53" actId="1076"/>
+        <pc:sldMkLst>
+          <pc:docMk/>
+          <pc:sldMk cId="231424911" sldId="267"/>
+        </pc:sldMkLst>
+        <pc:spChg chg="del">
+          <ac:chgData name="John Sipala" userId="fd0c168ab6c53e8e" providerId="LiveId" clId="{96846C60-EB6A-4690-80F1-27BE96133655}" dt="2019-07-22T22:25:17.564" v="35"/>
+          <ac:spMkLst>
+            <pc:docMk/>
+            <pc:sldMk cId="231424911" sldId="267"/>
+            <ac:spMk id="3" creationId="{FA3FB76D-F8E9-441B-AEED-792D6B33C83E}"/>
+          </ac:spMkLst>
+        </pc:spChg>
+        <pc:picChg chg="add mod modCrop">
+          <ac:chgData name="John Sipala" userId="fd0c168ab6c53e8e" providerId="LiveId" clId="{96846C60-EB6A-4690-80F1-27BE96133655}" dt="2019-07-22T22:26:24.101" v="53" actId="1076"/>
+          <ac:picMkLst>
+            <pc:docMk/>
+            <pc:sldMk cId="231424911" sldId="267"/>
+            <ac:picMk id="5" creationId="{B7DAA22E-F529-4CF3-82DD-429EAACBB2A4}"/>
+          </ac:picMkLst>
+        </pc:picChg>
+      </pc:sldChg>
+    </pc:docChg>
+  </pc:docChgLst>
+</pc:chgInfo>
 </file>
 
 <file path=ppt/slideLayouts/slideLayout1.xml><?xml version="1.0" encoding="utf-8"?>
@@ -276,7 +431,7 @@
           <a:p>
             <a:fld id="{AD5451E3-67A8-4299-BA01-792DD33A1864}" type="datetimeFigureOut">
               <a:rPr lang="en-US" smtClean="0"/>
-              <a:t>7/21/2019</a:t>
+              <a:t>7/22/2019</a:t>
             </a:fld>
             <a:endParaRPr lang="en-US"/>
           </a:p>
@@ -474,7 +629,7 @@
           <a:p>
             <a:fld id="{AD5451E3-67A8-4299-BA01-792DD33A1864}" type="datetimeFigureOut">
               <a:rPr lang="en-US" smtClean="0"/>
-              <a:t>7/21/2019</a:t>
+              <a:t>7/22/2019</a:t>
             </a:fld>
             <a:endParaRPr lang="en-US"/>
           </a:p>
@@ -682,7 +837,7 @@
           <a:p>
             <a:fld id="{AD5451E3-67A8-4299-BA01-792DD33A1864}" type="datetimeFigureOut">
               <a:rPr lang="en-US" smtClean="0"/>
-              <a:t>7/21/2019</a:t>
+              <a:t>7/22/2019</a:t>
             </a:fld>
             <a:endParaRPr lang="en-US"/>
           </a:p>
@@ -880,7 +1035,7 @@
           <a:p>
             <a:fld id="{AD5451E3-67A8-4299-BA01-792DD33A1864}" type="datetimeFigureOut">
               <a:rPr lang="en-US" smtClean="0"/>
-              <a:t>7/21/2019</a:t>
+              <a:t>7/22/2019</a:t>
             </a:fld>
             <a:endParaRPr lang="en-US"/>
           </a:p>
@@ -1155,7 +1310,7 @@
           <a:p>
             <a:fld id="{AD5451E3-67A8-4299-BA01-792DD33A1864}" type="datetimeFigureOut">
               <a:rPr lang="en-US" smtClean="0"/>
-              <a:t>7/21/2019</a:t>
+              <a:t>7/22/2019</a:t>
             </a:fld>
             <a:endParaRPr lang="en-US"/>
           </a:p>
@@ -1420,7 +1575,7 @@
           <a:p>
             <a:fld id="{AD5451E3-67A8-4299-BA01-792DD33A1864}" type="datetimeFigureOut">
               <a:rPr lang="en-US" smtClean="0"/>
-              <a:t>7/21/2019</a:t>
+              <a:t>7/22/2019</a:t>
             </a:fld>
             <a:endParaRPr lang="en-US"/>
           </a:p>
@@ -1832,7 +1987,7 @@
           <a:p>
             <a:fld id="{AD5451E3-67A8-4299-BA01-792DD33A1864}" type="datetimeFigureOut">
               <a:rPr lang="en-US" smtClean="0"/>
-              <a:t>7/21/2019</a:t>
+              <a:t>7/22/2019</a:t>
             </a:fld>
             <a:endParaRPr lang="en-US"/>
           </a:p>
@@ -1973,7 +2128,7 @@
           <a:p>
             <a:fld id="{AD5451E3-67A8-4299-BA01-792DD33A1864}" type="datetimeFigureOut">
               <a:rPr lang="en-US" smtClean="0"/>
-              <a:t>7/21/2019</a:t>
+              <a:t>7/22/2019</a:t>
             </a:fld>
             <a:endParaRPr lang="en-US"/>
           </a:p>
@@ -2086,7 +2241,7 @@
           <a:p>
             <a:fld id="{AD5451E3-67A8-4299-BA01-792DD33A1864}" type="datetimeFigureOut">
               <a:rPr lang="en-US" smtClean="0"/>
-              <a:t>7/21/2019</a:t>
+              <a:t>7/22/2019</a:t>
             </a:fld>
             <a:endParaRPr lang="en-US"/>
           </a:p>
@@ -2397,7 +2552,7 @@
           <a:p>
             <a:fld id="{AD5451E3-67A8-4299-BA01-792DD33A1864}" type="datetimeFigureOut">
               <a:rPr lang="en-US" smtClean="0"/>
-              <a:t>7/21/2019</a:t>
+              <a:t>7/22/2019</a:t>
             </a:fld>
             <a:endParaRPr lang="en-US"/>
           </a:p>
@@ -2685,7 +2840,7 @@
           <a:p>
             <a:fld id="{AD5451E3-67A8-4299-BA01-792DD33A1864}" type="datetimeFigureOut">
               <a:rPr lang="en-US" smtClean="0"/>
-              <a:t>7/21/2019</a:t>
+              <a:t>7/22/2019</a:t>
             </a:fld>
             <a:endParaRPr lang="en-US"/>
           </a:p>
@@ -2926,7 +3081,7 @@
           <a:p>
             <a:fld id="{AD5451E3-67A8-4299-BA01-792DD33A1864}" type="datetimeFigureOut">
               <a:rPr lang="en-US" smtClean="0"/>
-              <a:t>7/21/2019</a:t>
+              <a:t>7/22/2019</a:t>
             </a:fld>
             <a:endParaRPr lang="en-US"/>
           </a:p>
@@ -3434,6 +3589,96 @@
           <p:cNvPr id="2" name="Title 1">
             <a:extLst>
               <a:ext uri="{FF2B5EF4-FFF2-40B4-BE49-F238E27FC236}">
+                <a16:creationId xmlns:a16="http://schemas.microsoft.com/office/drawing/2014/main" id="{B2CB236B-7786-44AA-8D2A-DD21BDD9A58F}"/>
+              </a:ext>
+            </a:extLst>
+          </p:cNvPr>
+          <p:cNvSpPr>
+            <a:spLocks noGrp="1"/>
+          </p:cNvSpPr>
+          <p:nvPr>
+            <p:ph type="title"/>
+          </p:nvPr>
+        </p:nvSpPr>
+        <p:spPr/>
+        <p:txBody>
+          <a:bodyPr/>
+          <a:lstStyle/>
+          <a:p>
+            <a:endParaRPr lang="en-US"/>
+          </a:p>
+        </p:txBody>
+      </p:sp>
+      <p:pic>
+        <p:nvPicPr>
+          <p:cNvPr id="5" name="Content Placeholder 4">
+            <a:extLst>
+              <a:ext uri="{FF2B5EF4-FFF2-40B4-BE49-F238E27FC236}">
+                <a16:creationId xmlns:a16="http://schemas.microsoft.com/office/drawing/2014/main" id="{ACB9028B-7B02-4264-B760-92BDAF224A6C}"/>
+              </a:ext>
+            </a:extLst>
+          </p:cNvPr>
+          <p:cNvPicPr>
+            <a:picLocks noGrp="1" noChangeAspect="1"/>
+          </p:cNvPicPr>
+          <p:nvPr>
+            <p:ph idx="1"/>
+          </p:nvPr>
+        </p:nvPicPr>
+        <p:blipFill>
+          <a:blip r:embed="rId2">
+            <a:extLst>
+              <a:ext uri="{28A0092B-C50C-407E-A947-70E740481C1C}">
+                <a14:useLocalDpi xmlns:a14="http://schemas.microsoft.com/office/drawing/2010/main" val="0"/>
+              </a:ext>
+            </a:extLst>
+          </a:blip>
+          <a:stretch>
+            <a:fillRect/>
+          </a:stretch>
+        </p:blipFill>
+        <p:spPr>
+          <a:xfrm>
+            <a:off x="1369658" y="662498"/>
+            <a:ext cx="9452684" cy="6076725"/>
+          </a:xfrm>
+        </p:spPr>
+      </p:pic>
+    </p:spTree>
+    <p:extLst>
+      <p:ext uri="{BB962C8B-B14F-4D97-AF65-F5344CB8AC3E}">
+        <p14:creationId xmlns:p14="http://schemas.microsoft.com/office/powerpoint/2010/main" val="3875421684"/>
+      </p:ext>
+    </p:extLst>
+  </p:cSld>
+  <p:clrMapOvr>
+    <a:masterClrMapping/>
+  </p:clrMapOvr>
+</p:sld>
+</file>
+
+<file path=ppt/slides/slide11.xml><?xml version="1.0" encoding="utf-8"?>
+<p:sld xmlns:a="http://schemas.openxmlformats.org/drawingml/2006/main" xmlns:r="http://schemas.openxmlformats.org/officeDocument/2006/relationships" xmlns:p="http://schemas.openxmlformats.org/presentationml/2006/main">
+  <p:cSld>
+    <p:spTree>
+      <p:nvGrpSpPr>
+        <p:cNvPr id="1" name=""/>
+        <p:cNvGrpSpPr/>
+        <p:nvPr/>
+      </p:nvGrpSpPr>
+      <p:grpSpPr>
+        <a:xfrm>
+          <a:off x="0" y="0"/>
+          <a:ext cx="0" cy="0"/>
+          <a:chOff x="0" y="0"/>
+          <a:chExt cx="0" cy="0"/>
+        </a:xfrm>
+      </p:grpSpPr>
+      <p:sp>
+        <p:nvSpPr>
+          <p:cNvPr id="2" name="Title 1">
+            <a:extLst>
+              <a:ext uri="{FF2B5EF4-FFF2-40B4-BE49-F238E27FC236}">
                 <a16:creationId xmlns:a16="http://schemas.microsoft.com/office/drawing/2014/main" id="{591BF87E-5304-468A-BAAC-73DC2373EA9F}"/>
               </a:ext>
             </a:extLst>
@@ -3459,7 +3704,7 @@
           <a:p>
             <a:r>
               <a:rPr lang="en-US" dirty="0"/>
-              <a:t>    Revenues					    Assets</a:t>
+              <a:t> Avg Revenues				Avg  Assets</a:t>
             </a:r>
             <a:br>
               <a:rPr lang="en-US" dirty="0"/>
@@ -3569,145 +3814,6 @@
     <p:extLst>
       <p:ext uri="{BB962C8B-B14F-4D97-AF65-F5344CB8AC3E}">
         <p14:creationId xmlns:p14="http://schemas.microsoft.com/office/powerpoint/2010/main" val="1894695730"/>
-      </p:ext>
-    </p:extLst>
-  </p:cSld>
-  <p:clrMapOvr>
-    <a:masterClrMapping/>
-  </p:clrMapOvr>
-</p:sld>
-</file>
-
-<file path=ppt/slides/slide11.xml><?xml version="1.0" encoding="utf-8"?>
-<p:sld xmlns:a="http://schemas.openxmlformats.org/drawingml/2006/main" xmlns:r="http://schemas.openxmlformats.org/officeDocument/2006/relationships" xmlns:p="http://schemas.openxmlformats.org/presentationml/2006/main">
-  <p:cSld>
-    <p:spTree>
-      <p:nvGrpSpPr>
-        <p:cNvPr id="1" name=""/>
-        <p:cNvGrpSpPr/>
-        <p:nvPr/>
-      </p:nvGrpSpPr>
-      <p:grpSpPr>
-        <a:xfrm>
-          <a:off x="0" y="0"/>
-          <a:ext cx="0" cy="0"/>
-          <a:chOff x="0" y="0"/>
-          <a:chExt cx="0" cy="0"/>
-        </a:xfrm>
-      </p:grpSpPr>
-      <p:pic>
-        <p:nvPicPr>
-          <p:cNvPr id="4098" name="Picture 2" descr="Image result for the intelligent investor">
-            <a:extLst>
-              <a:ext uri="{FF2B5EF4-FFF2-40B4-BE49-F238E27FC236}">
-                <a16:creationId xmlns:a16="http://schemas.microsoft.com/office/drawing/2014/main" id="{41244B2F-336A-4D96-BF0B-B2495091D6A4}"/>
-              </a:ext>
-            </a:extLst>
-          </p:cNvPr>
-          <p:cNvPicPr>
-            <a:picLocks noChangeAspect="1" noChangeArrowheads="1"/>
-          </p:cNvPicPr>
-          <p:nvPr/>
-        </p:nvPicPr>
-        <p:blipFill>
-          <a:blip r:embed="rId2">
-            <a:extLst>
-              <a:ext uri="{28A0092B-C50C-407E-A947-70E740481C1C}">
-                <a14:useLocalDpi xmlns:a14="http://schemas.microsoft.com/office/drawing/2010/main" val="0"/>
-              </a:ext>
-            </a:extLst>
-          </a:blip>
-          <a:srcRect/>
-          <a:stretch>
-            <a:fillRect/>
-          </a:stretch>
-        </p:blipFill>
-        <p:spPr bwMode="auto">
-          <a:xfrm>
-            <a:off x="4486275" y="1052512"/>
-            <a:ext cx="3219450" cy="4752975"/>
-          </a:xfrm>
-          <a:prstGeom prst="rect">
-            <a:avLst/>
-          </a:prstGeom>
-          <a:noFill/>
-          <a:extLst>
-            <a:ext uri="{909E8E84-426E-40DD-AFC4-6F175D3DCCD1}">
-              <a14:hiddenFill xmlns:a14="http://schemas.microsoft.com/office/drawing/2010/main">
-                <a:solidFill>
-                  <a:srgbClr val="FFFFFF"/>
-                </a:solidFill>
-              </a14:hiddenFill>
-            </a:ext>
-          </a:extLst>
-        </p:spPr>
-      </p:pic>
-      <p:sp>
-        <p:nvSpPr>
-          <p:cNvPr id="6" name="TextBox 5">
-            <a:extLst>
-              <a:ext uri="{FF2B5EF4-FFF2-40B4-BE49-F238E27FC236}">
-                <a16:creationId xmlns:a16="http://schemas.microsoft.com/office/drawing/2014/main" id="{41EE3078-D048-4B31-B360-763B0D1E903C}"/>
-              </a:ext>
-            </a:extLst>
-          </p:cNvPr>
-          <p:cNvSpPr txBox="1"/>
-          <p:nvPr/>
-        </p:nvSpPr>
-        <p:spPr>
-          <a:xfrm>
-            <a:off x="885825" y="2266950"/>
-            <a:ext cx="2256387" cy="1200329"/>
-          </a:xfrm>
-          <a:prstGeom prst="rect">
-            <a:avLst/>
-          </a:prstGeom>
-          <a:noFill/>
-        </p:spPr>
-        <p:txBody>
-          <a:bodyPr wrap="none" rtlCol="0">
-            <a:spAutoFit/>
-          </a:bodyPr>
-          <a:lstStyle/>
-          <a:p>
-            <a:r>
-              <a:rPr lang="en-US" dirty="0"/>
-              <a:t>-    Diversification</a:t>
-            </a:r>
-          </a:p>
-          <a:p>
-            <a:pPr marL="285750" indent="-285750">
-              <a:buFontTx/>
-              <a:buChar char="-"/>
-            </a:pPr>
-            <a:r>
-              <a:rPr lang="en-US" dirty="0"/>
-              <a:t>Nature of investing</a:t>
-            </a:r>
-          </a:p>
-          <a:p>
-            <a:pPr marL="285750" indent="-285750">
-              <a:buFontTx/>
-              <a:buChar char="-"/>
-            </a:pPr>
-            <a:r>
-              <a:rPr lang="en-US" dirty="0"/>
-              <a:t>Job opportunities</a:t>
-            </a:r>
-          </a:p>
-          <a:p>
-            <a:pPr marL="285750" indent="-285750">
-              <a:buFontTx/>
-              <a:buChar char="-"/>
-            </a:pPr>
-            <a:endParaRPr lang="en-US" dirty="0"/>
-          </a:p>
-        </p:txBody>
-      </p:sp>
-    </p:spTree>
-    <p:extLst>
-      <p:ext uri="{BB962C8B-B14F-4D97-AF65-F5344CB8AC3E}">
-        <p14:creationId xmlns:p14="http://schemas.microsoft.com/office/powerpoint/2010/main" val="2591327385"/>
       </p:ext>
     </p:extLst>
   </p:cSld>
@@ -4135,7 +4241,7 @@
           <p:cNvPr id="2" name="Title 1">
             <a:extLst>
               <a:ext uri="{FF2B5EF4-FFF2-40B4-BE49-F238E27FC236}">
-                <a16:creationId xmlns:a16="http://schemas.microsoft.com/office/drawing/2014/main" id="{B19F97C7-FEA1-444B-945E-6710D925195A}"/>
+                <a16:creationId xmlns:a16="http://schemas.microsoft.com/office/drawing/2014/main" id="{D2177A06-9D4B-422E-91D6-13C79DFF82BF}"/>
               </a:ext>
             </a:extLst>
           </p:cNvPr>
@@ -4151,11 +4257,7 @@
           <a:bodyPr/>
           <a:lstStyle/>
           <a:p>
-            <a:pPr algn="ctr"/>
-            <a:r>
-              <a:rPr lang="en-US" dirty="0"/>
-              <a:t>Profit Vs Growth</a:t>
-            </a:r>
+            <a:endParaRPr lang="en-US"/>
           </a:p>
         </p:txBody>
       </p:sp>
@@ -4164,7 +4266,7 @@
           <p:cNvPr id="5" name="Content Placeholder 4">
             <a:extLst>
               <a:ext uri="{FF2B5EF4-FFF2-40B4-BE49-F238E27FC236}">
-                <a16:creationId xmlns:a16="http://schemas.microsoft.com/office/drawing/2014/main" id="{EEDF4968-9E84-4C06-BCFC-51D68C721C73}"/>
+                <a16:creationId xmlns:a16="http://schemas.microsoft.com/office/drawing/2014/main" id="{B7DAA22E-F529-4CF3-82DD-429EAACBB2A4}"/>
               </a:ext>
             </a:extLst>
           </p:cNvPr>
@@ -4175,7 +4277,7 @@
             <p:ph idx="1"/>
           </p:nvPr>
         </p:nvPicPr>
-        <p:blipFill>
+        <p:blipFill rotWithShape="1">
           <a:blip r:embed="rId2">
             <a:extLst>
               <a:ext uri="{28A0092B-C50C-407E-A947-70E740481C1C}">
@@ -4183,56 +4285,20 @@
               </a:ext>
             </a:extLst>
           </a:blip>
-          <a:stretch>
-            <a:fillRect/>
-          </a:stretch>
+          <a:srcRect t="4286" b="-4286"/>
+          <a:stretch/>
         </p:blipFill>
         <p:spPr>
           <a:xfrm>
-            <a:off x="2762250" y="1858169"/>
-            <a:ext cx="6667500" cy="4286250"/>
+            <a:off x="731668" y="473175"/>
+            <a:ext cx="10861541" cy="6109617"/>
           </a:xfrm>
         </p:spPr>
       </p:pic>
-      <p:sp>
-        <p:nvSpPr>
-          <p:cNvPr id="6" name="TextBox 5">
-            <a:extLst>
-              <a:ext uri="{FF2B5EF4-FFF2-40B4-BE49-F238E27FC236}">
-                <a16:creationId xmlns:a16="http://schemas.microsoft.com/office/drawing/2014/main" id="{BF85D9B5-A75C-44E3-8207-ABEC8DEF67AC}"/>
-              </a:ext>
-            </a:extLst>
-          </p:cNvPr>
-          <p:cNvSpPr txBox="1"/>
-          <p:nvPr/>
-        </p:nvSpPr>
-        <p:spPr>
-          <a:xfrm>
-            <a:off x="76200" y="5775087"/>
-            <a:ext cx="1310167" cy="369332"/>
-          </a:xfrm>
-          <a:prstGeom prst="rect">
-            <a:avLst/>
-          </a:prstGeom>
-          <a:noFill/>
-        </p:spPr>
-        <p:txBody>
-          <a:bodyPr wrap="none" rtlCol="0">
-            <a:spAutoFit/>
-          </a:bodyPr>
-          <a:lstStyle/>
-          <a:p>
-            <a:r>
-              <a:rPr lang="en-US" dirty="0"/>
-              <a:t>- directional</a:t>
-            </a:r>
-          </a:p>
-        </p:txBody>
-      </p:sp>
     </p:spTree>
     <p:extLst>
       <p:ext uri="{BB962C8B-B14F-4D97-AF65-F5344CB8AC3E}">
-        <p14:creationId xmlns:p14="http://schemas.microsoft.com/office/powerpoint/2010/main" val="3650183740"/>
+        <p14:creationId xmlns:p14="http://schemas.microsoft.com/office/powerpoint/2010/main" val="231424911"/>
       </p:ext>
     </p:extLst>
   </p:cSld>
@@ -4259,12 +4325,41 @@
           <a:chExt cx="0" cy="0"/>
         </a:xfrm>
       </p:grpSpPr>
+      <p:sp>
+        <p:nvSpPr>
+          <p:cNvPr id="2" name="Title 1">
+            <a:extLst>
+              <a:ext uri="{FF2B5EF4-FFF2-40B4-BE49-F238E27FC236}">
+                <a16:creationId xmlns:a16="http://schemas.microsoft.com/office/drawing/2014/main" id="{B19F97C7-FEA1-444B-945E-6710D925195A}"/>
+              </a:ext>
+            </a:extLst>
+          </p:cNvPr>
+          <p:cNvSpPr>
+            <a:spLocks noGrp="1"/>
+          </p:cNvSpPr>
+          <p:nvPr>
+            <p:ph type="title"/>
+          </p:nvPr>
+        </p:nvSpPr>
+        <p:spPr/>
+        <p:txBody>
+          <a:bodyPr/>
+          <a:lstStyle/>
+          <a:p>
+            <a:pPr algn="ctr"/>
+            <a:r>
+              <a:rPr lang="en-US" dirty="0"/>
+              <a:t>Profit Vs Growth</a:t>
+            </a:r>
+          </a:p>
+        </p:txBody>
+      </p:sp>
       <p:pic>
         <p:nvPicPr>
           <p:cNvPr id="5" name="Content Placeholder 4">
             <a:extLst>
               <a:ext uri="{FF2B5EF4-FFF2-40B4-BE49-F238E27FC236}">
-                <a16:creationId xmlns:a16="http://schemas.microsoft.com/office/drawing/2014/main" id="{31C6362B-8633-4DB8-8D90-BF6685DBB8B1}"/>
+                <a16:creationId xmlns:a16="http://schemas.microsoft.com/office/drawing/2014/main" id="{EEDF4968-9E84-4C06-BCFC-51D68C721C73}"/>
               </a:ext>
             </a:extLst>
           </p:cNvPr>
@@ -4289,8 +4384,73 @@
         </p:blipFill>
         <p:spPr>
           <a:xfrm>
-            <a:off x="0" y="1913729"/>
-            <a:ext cx="5839002" cy="3753644"/>
+            <a:off x="1952254" y="1376039"/>
+            <a:ext cx="8287491" cy="5327673"/>
+          </a:xfrm>
+        </p:spPr>
+      </p:pic>
+    </p:spTree>
+    <p:extLst>
+      <p:ext uri="{BB962C8B-B14F-4D97-AF65-F5344CB8AC3E}">
+        <p14:creationId xmlns:p14="http://schemas.microsoft.com/office/powerpoint/2010/main" val="3650183740"/>
+      </p:ext>
+    </p:extLst>
+  </p:cSld>
+  <p:clrMapOvr>
+    <a:masterClrMapping/>
+  </p:clrMapOvr>
+</p:sld>
+</file>
+
+<file path=ppt/slides/slide7.xml><?xml version="1.0" encoding="utf-8"?>
+<p:sld xmlns:a="http://schemas.openxmlformats.org/drawingml/2006/main" xmlns:r="http://schemas.openxmlformats.org/officeDocument/2006/relationships" xmlns:p="http://schemas.openxmlformats.org/presentationml/2006/main">
+  <p:cSld>
+    <p:spTree>
+      <p:nvGrpSpPr>
+        <p:cNvPr id="1" name=""/>
+        <p:cNvGrpSpPr/>
+        <p:nvPr/>
+      </p:nvGrpSpPr>
+      <p:grpSpPr>
+        <a:xfrm>
+          <a:off x="0" y="0"/>
+          <a:ext cx="0" cy="0"/>
+          <a:chOff x="0" y="0"/>
+          <a:chExt cx="0" cy="0"/>
+        </a:xfrm>
+      </p:grpSpPr>
+      <p:pic>
+        <p:nvPicPr>
+          <p:cNvPr id="5" name="Content Placeholder 4">
+            <a:extLst>
+              <a:ext uri="{FF2B5EF4-FFF2-40B4-BE49-F238E27FC236}">
+                <a16:creationId xmlns:a16="http://schemas.microsoft.com/office/drawing/2014/main" id="{31C6362B-8633-4DB8-8D90-BF6685DBB8B1}"/>
+              </a:ext>
+            </a:extLst>
+          </p:cNvPr>
+          <p:cNvPicPr>
+            <a:picLocks noGrp="1" noChangeAspect="1"/>
+          </p:cNvPicPr>
+          <p:nvPr>
+            <p:ph idx="1"/>
+          </p:nvPr>
+        </p:nvPicPr>
+        <p:blipFill>
+          <a:blip r:embed="rId2">
+            <a:extLst>
+              <a:ext uri="{28A0092B-C50C-407E-A947-70E740481C1C}">
+                <a14:useLocalDpi xmlns:a14="http://schemas.microsoft.com/office/drawing/2010/main" val="0"/>
+              </a:ext>
+            </a:extLst>
+          </a:blip>
+          <a:stretch>
+            <a:fillRect/>
+          </a:stretch>
+        </p:blipFill>
+        <p:spPr>
+          <a:xfrm>
+            <a:off x="-1" y="1575401"/>
+            <a:ext cx="6365290" cy="4091973"/>
           </a:xfrm>
         </p:spPr>
       </p:pic>
@@ -4322,8 +4482,8 @@
         </p:blipFill>
         <p:spPr>
           <a:xfrm>
-            <a:off x="5724524" y="1913729"/>
-            <a:ext cx="5839003" cy="3753645"/>
+            <a:off x="5448328" y="1447059"/>
+            <a:ext cx="6564934" cy="4220315"/>
           </a:xfrm>
           <a:prstGeom prst="rect">
             <a:avLst/>
@@ -4343,7 +4503,7 @@
 </p:sld>
 </file>
 
-<file path=ppt/slides/slide7.xml><?xml version="1.0" encoding="utf-8"?>
+<file path=ppt/slides/slide8.xml><?xml version="1.0" encoding="utf-8"?>
 <p:sld xmlns:a="http://schemas.openxmlformats.org/drawingml/2006/main" xmlns:r="http://schemas.openxmlformats.org/officeDocument/2006/relationships" xmlns:p="http://schemas.openxmlformats.org/presentationml/2006/main" showMasterSp="0">
   <p:cSld>
     <p:spTree>
@@ -4429,108 +4589,12 @@
               <a:t>Understand the numbers</a:t>
             </a:r>
           </a:p>
-          <a:p>
-            <a:r>
-              <a:rPr lang="en-US" dirty="0"/>
-              <a:t>Know the history</a:t>
-            </a:r>
-          </a:p>
         </p:txBody>
       </p:sp>
     </p:spTree>
     <p:extLst>
       <p:ext uri="{BB962C8B-B14F-4D97-AF65-F5344CB8AC3E}">
         <p14:creationId xmlns:p14="http://schemas.microsoft.com/office/powerpoint/2010/main" val="2811272936"/>
-      </p:ext>
-    </p:extLst>
-  </p:cSld>
-  <p:clrMapOvr>
-    <a:masterClrMapping/>
-  </p:clrMapOvr>
-</p:sld>
-</file>
-
-<file path=ppt/slides/slide8.xml><?xml version="1.0" encoding="utf-8"?>
-<p:sld xmlns:a="http://schemas.openxmlformats.org/drawingml/2006/main" xmlns:r="http://schemas.openxmlformats.org/officeDocument/2006/relationships" xmlns:p="http://schemas.openxmlformats.org/presentationml/2006/main">
-  <p:cSld>
-    <p:spTree>
-      <p:nvGrpSpPr>
-        <p:cNvPr id="1" name=""/>
-        <p:cNvGrpSpPr/>
-        <p:nvPr/>
-      </p:nvGrpSpPr>
-      <p:grpSpPr>
-        <a:xfrm>
-          <a:off x="0" y="0"/>
-          <a:ext cx="0" cy="0"/>
-          <a:chOff x="0" y="0"/>
-          <a:chExt cx="0" cy="0"/>
-        </a:xfrm>
-      </p:grpSpPr>
-      <p:sp>
-        <p:nvSpPr>
-          <p:cNvPr id="2" name="Title 1">
-            <a:extLst>
-              <a:ext uri="{FF2B5EF4-FFF2-40B4-BE49-F238E27FC236}">
-                <a16:creationId xmlns:a16="http://schemas.microsoft.com/office/drawing/2014/main" id="{028015EF-10FB-4D78-B558-93D3E9CCD456}"/>
-              </a:ext>
-            </a:extLst>
-          </p:cNvPr>
-          <p:cNvSpPr>
-            <a:spLocks noGrp="1"/>
-          </p:cNvSpPr>
-          <p:nvPr>
-            <p:ph type="title"/>
-          </p:nvPr>
-        </p:nvSpPr>
-        <p:spPr/>
-        <p:txBody>
-          <a:bodyPr/>
-          <a:lstStyle/>
-          <a:p>
-            <a:endParaRPr lang="en-US"/>
-          </a:p>
-        </p:txBody>
-      </p:sp>
-      <p:pic>
-        <p:nvPicPr>
-          <p:cNvPr id="5" name="Content Placeholder 4">
-            <a:extLst>
-              <a:ext uri="{FF2B5EF4-FFF2-40B4-BE49-F238E27FC236}">
-                <a16:creationId xmlns:a16="http://schemas.microsoft.com/office/drawing/2014/main" id="{432F3E9C-2FDB-496E-B90B-28153016E965}"/>
-              </a:ext>
-            </a:extLst>
-          </p:cNvPr>
-          <p:cNvPicPr>
-            <a:picLocks noGrp="1" noChangeAspect="1"/>
-          </p:cNvPicPr>
-          <p:nvPr>
-            <p:ph idx="1"/>
-          </p:nvPr>
-        </p:nvPicPr>
-        <p:blipFill>
-          <a:blip r:embed="rId2">
-            <a:extLst>
-              <a:ext uri="{28A0092B-C50C-407E-A947-70E740481C1C}">
-                <a14:useLocalDpi xmlns:a14="http://schemas.microsoft.com/office/drawing/2010/main" val="0"/>
-              </a:ext>
-            </a:extLst>
-          </a:blip>
-          <a:stretch>
-            <a:fillRect/>
-          </a:stretch>
-        </p:blipFill>
-        <p:spPr>
-          <a:xfrm>
-            <a:off x="2762250" y="1858169"/>
-            <a:ext cx="6667500" cy="4286250"/>
-          </a:xfrm>
-        </p:spPr>
-      </p:pic>
-    </p:spTree>
-    <p:extLst>
-      <p:ext uri="{BB962C8B-B14F-4D97-AF65-F5344CB8AC3E}">
-        <p14:creationId xmlns:p14="http://schemas.microsoft.com/office/powerpoint/2010/main" val="3780688643"/>
       </p:ext>
     </p:extLst>
   </p:cSld>
@@ -4562,7 +4626,7 @@
           <p:cNvPr id="2" name="Title 1">
             <a:extLst>
               <a:ext uri="{FF2B5EF4-FFF2-40B4-BE49-F238E27FC236}">
-                <a16:creationId xmlns:a16="http://schemas.microsoft.com/office/drawing/2014/main" id="{B2CB236B-7786-44AA-8D2A-DD21BDD9A58F}"/>
+                <a16:creationId xmlns:a16="http://schemas.microsoft.com/office/drawing/2014/main" id="{028015EF-10FB-4D78-B558-93D3E9CCD456}"/>
               </a:ext>
             </a:extLst>
           </p:cNvPr>
@@ -4587,7 +4651,7 @@
           <p:cNvPr id="5" name="Content Placeholder 4">
             <a:extLst>
               <a:ext uri="{FF2B5EF4-FFF2-40B4-BE49-F238E27FC236}">
-                <a16:creationId xmlns:a16="http://schemas.microsoft.com/office/drawing/2014/main" id="{ACB9028B-7B02-4264-B760-92BDAF224A6C}"/>
+                <a16:creationId xmlns:a16="http://schemas.microsoft.com/office/drawing/2014/main" id="{432F3E9C-2FDB-496E-B90B-28153016E965}"/>
               </a:ext>
             </a:extLst>
           </p:cNvPr>
@@ -4612,15 +4676,15 @@
         </p:blipFill>
         <p:spPr>
           <a:xfrm>
-            <a:off x="2762250" y="1858169"/>
-            <a:ext cx="6667500" cy="4286250"/>
+            <a:off x="1484127" y="563324"/>
+            <a:ext cx="9223746" cy="5929551"/>
           </a:xfrm>
         </p:spPr>
       </p:pic>
     </p:spTree>
     <p:extLst>
       <p:ext uri="{BB962C8B-B14F-4D97-AF65-F5344CB8AC3E}">
-        <p14:creationId xmlns:p14="http://schemas.microsoft.com/office/powerpoint/2010/main" val="3875421684"/>
+        <p14:creationId xmlns:p14="http://schemas.microsoft.com/office/powerpoint/2010/main" val="3780688643"/>
       </p:ext>
     </p:extLst>
   </p:cSld>
